--- a/ppt 16-9/0298.乐守圣日.pptx
+++ b/ppt 16-9/0298.乐守圣日.pptx
@@ -5,7 +5,7 @@
     <p:sldMasterId id="2147483648" r:id="rId1"/>
   </p:sldMasterIdLst>
   <p:sldIdLst>
-    <p:sldId id="3176" r:id="rId2"/>
+    <p:sldId id="3177" r:id="rId2"/>
   </p:sldIdLst>
   <p:sldSz cx="12192000" cy="6858000"/>
   <p:notesSz cx="6858000" cy="9144000"/>
@@ -129,7 +129,7 @@
           <p:cNvPr id="2" name="标题 1">
             <a:extLst>
               <a:ext uri="{FF2B5EF4-FFF2-40B4-BE49-F238E27FC236}">
-                <a16:creationId xmlns:a16="http://schemas.microsoft.com/office/drawing/2014/main" id="{BB9322C6-5487-75EE-4AAB-D34569F40BE3}"/>
+                <a16:creationId xmlns:a16="http://schemas.microsoft.com/office/drawing/2014/main" id="{3B32216B-F3BE-F155-3242-BB784466ED6F}"/>
               </a:ext>
             </a:extLst>
           </p:cNvPr>
@@ -166,7 +166,7 @@
           <p:cNvPr id="3" name="副标题 2">
             <a:extLst>
               <a:ext uri="{FF2B5EF4-FFF2-40B4-BE49-F238E27FC236}">
-                <a16:creationId xmlns:a16="http://schemas.microsoft.com/office/drawing/2014/main" id="{62962841-B838-A1F1-52C0-A2B7F37DB276}"/>
+                <a16:creationId xmlns:a16="http://schemas.microsoft.com/office/drawing/2014/main" id="{F7BFA916-0856-8CEF-2285-D16A63949610}"/>
               </a:ext>
             </a:extLst>
           </p:cNvPr>
@@ -236,7 +236,7 @@
           <p:cNvPr id="4" name="日期占位符 3">
             <a:extLst>
               <a:ext uri="{FF2B5EF4-FFF2-40B4-BE49-F238E27FC236}">
-                <a16:creationId xmlns:a16="http://schemas.microsoft.com/office/drawing/2014/main" id="{43855741-487F-B3B3-D5A6-78630013B60F}"/>
+                <a16:creationId xmlns:a16="http://schemas.microsoft.com/office/drawing/2014/main" id="{CD24C1E2-4B26-7F7F-C430-7D71D6B5FF4F}"/>
               </a:ext>
             </a:extLst>
           </p:cNvPr>
@@ -252,7 +252,7 @@
           <a:bodyPr/>
           <a:lstStyle/>
           <a:p>
-            <a:fld id="{CB55536C-2F78-4EDA-B2DC-0D71D0800C64}" type="datetimeFigureOut">
+            <a:fld id="{FA1D1E28-A008-4C8E-84D3-32BA113F65B4}" type="datetimeFigureOut">
               <a:rPr lang="zh-CN" altLang="en-US" smtClean="0"/>
               <a:t>2024/3/10</a:t>
             </a:fld>
@@ -265,7 +265,7 @@
           <p:cNvPr id="5" name="页脚占位符 4">
             <a:extLst>
               <a:ext uri="{FF2B5EF4-FFF2-40B4-BE49-F238E27FC236}">
-                <a16:creationId xmlns:a16="http://schemas.microsoft.com/office/drawing/2014/main" id="{7400B1A1-84E4-BB93-8EA3-C924006A9489}"/>
+                <a16:creationId xmlns:a16="http://schemas.microsoft.com/office/drawing/2014/main" id="{B87E7B38-0DE1-8AB0-41D5-52C8A4D9CBE3}"/>
               </a:ext>
             </a:extLst>
           </p:cNvPr>
@@ -290,7 +290,7 @@
           <p:cNvPr id="6" name="灯片编号占位符 5">
             <a:extLst>
               <a:ext uri="{FF2B5EF4-FFF2-40B4-BE49-F238E27FC236}">
-                <a16:creationId xmlns:a16="http://schemas.microsoft.com/office/drawing/2014/main" id="{44651A51-E187-E05E-0D52-2475C94FD492}"/>
+                <a16:creationId xmlns:a16="http://schemas.microsoft.com/office/drawing/2014/main" id="{77C2A528-EC00-6954-8D04-2BC01996ED04}"/>
               </a:ext>
             </a:extLst>
           </p:cNvPr>
@@ -306,7 +306,7 @@
           <a:bodyPr/>
           <a:lstStyle/>
           <a:p>
-            <a:fld id="{3E830C39-F631-4369-8491-12C08EE9986F}" type="slidenum">
+            <a:fld id="{53E5C624-E60A-4146-A34B-A13EF17209E9}" type="slidenum">
               <a:rPr lang="zh-CN" altLang="en-US" smtClean="0"/>
               <a:t>‹#›</a:t>
             </a:fld>
@@ -317,7 +317,7 @@
     </p:spTree>
     <p:extLst>
       <p:ext uri="{BB962C8B-B14F-4D97-AF65-F5344CB8AC3E}">
-        <p14:creationId xmlns:p14="http://schemas.microsoft.com/office/powerpoint/2010/main" val="765999385"/>
+        <p14:creationId xmlns:p14="http://schemas.microsoft.com/office/powerpoint/2010/main" val="998944666"/>
       </p:ext>
     </p:extLst>
   </p:cSld>
@@ -349,7 +349,7 @@
           <p:cNvPr id="2" name="标题 1">
             <a:extLst>
               <a:ext uri="{FF2B5EF4-FFF2-40B4-BE49-F238E27FC236}">
-                <a16:creationId xmlns:a16="http://schemas.microsoft.com/office/drawing/2014/main" id="{B417F460-ACC4-35DF-96DA-253D219B562F}"/>
+                <a16:creationId xmlns:a16="http://schemas.microsoft.com/office/drawing/2014/main" id="{05011058-5AF3-501E-0088-A0F984D285F6}"/>
               </a:ext>
             </a:extLst>
           </p:cNvPr>
@@ -377,7 +377,7 @@
           <p:cNvPr id="3" name="竖排文字占位符 2">
             <a:extLst>
               <a:ext uri="{FF2B5EF4-FFF2-40B4-BE49-F238E27FC236}">
-                <a16:creationId xmlns:a16="http://schemas.microsoft.com/office/drawing/2014/main" id="{D79971FA-C763-0545-6AA0-715A331C0A2F}"/>
+                <a16:creationId xmlns:a16="http://schemas.microsoft.com/office/drawing/2014/main" id="{1FE84289-4E88-628D-19CA-3E2FEBF34050}"/>
               </a:ext>
             </a:extLst>
           </p:cNvPr>
@@ -434,7 +434,7 @@
           <p:cNvPr id="4" name="日期占位符 3">
             <a:extLst>
               <a:ext uri="{FF2B5EF4-FFF2-40B4-BE49-F238E27FC236}">
-                <a16:creationId xmlns:a16="http://schemas.microsoft.com/office/drawing/2014/main" id="{46E27333-0533-EDDE-555F-5F1963A29341}"/>
+                <a16:creationId xmlns:a16="http://schemas.microsoft.com/office/drawing/2014/main" id="{353FD3AB-133C-632E-0136-A69B8C670823}"/>
               </a:ext>
             </a:extLst>
           </p:cNvPr>
@@ -450,7 +450,7 @@
           <a:bodyPr/>
           <a:lstStyle/>
           <a:p>
-            <a:fld id="{CB55536C-2F78-4EDA-B2DC-0D71D0800C64}" type="datetimeFigureOut">
+            <a:fld id="{FA1D1E28-A008-4C8E-84D3-32BA113F65B4}" type="datetimeFigureOut">
               <a:rPr lang="zh-CN" altLang="en-US" smtClean="0"/>
               <a:t>2024/3/10</a:t>
             </a:fld>
@@ -463,7 +463,7 @@
           <p:cNvPr id="5" name="页脚占位符 4">
             <a:extLst>
               <a:ext uri="{FF2B5EF4-FFF2-40B4-BE49-F238E27FC236}">
-                <a16:creationId xmlns:a16="http://schemas.microsoft.com/office/drawing/2014/main" id="{734A1D4D-AB91-7A3E-DBB0-AB2A36B5FEB6}"/>
+                <a16:creationId xmlns:a16="http://schemas.microsoft.com/office/drawing/2014/main" id="{28F9065B-1086-2987-E01F-528357863F12}"/>
               </a:ext>
             </a:extLst>
           </p:cNvPr>
@@ -488,7 +488,7 @@
           <p:cNvPr id="6" name="灯片编号占位符 5">
             <a:extLst>
               <a:ext uri="{FF2B5EF4-FFF2-40B4-BE49-F238E27FC236}">
-                <a16:creationId xmlns:a16="http://schemas.microsoft.com/office/drawing/2014/main" id="{652537B2-82B8-484C-8E08-F71952DD6A43}"/>
+                <a16:creationId xmlns:a16="http://schemas.microsoft.com/office/drawing/2014/main" id="{C6C512BF-7D94-EB3F-CE3F-65659AB9AC94}"/>
               </a:ext>
             </a:extLst>
           </p:cNvPr>
@@ -504,7 +504,7 @@
           <a:bodyPr/>
           <a:lstStyle/>
           <a:p>
-            <a:fld id="{3E830C39-F631-4369-8491-12C08EE9986F}" type="slidenum">
+            <a:fld id="{53E5C624-E60A-4146-A34B-A13EF17209E9}" type="slidenum">
               <a:rPr lang="zh-CN" altLang="en-US" smtClean="0"/>
               <a:t>‹#›</a:t>
             </a:fld>
@@ -515,7 +515,7 @@
     </p:spTree>
     <p:extLst>
       <p:ext uri="{BB962C8B-B14F-4D97-AF65-F5344CB8AC3E}">
-        <p14:creationId xmlns:p14="http://schemas.microsoft.com/office/powerpoint/2010/main" val="699415510"/>
+        <p14:creationId xmlns:p14="http://schemas.microsoft.com/office/powerpoint/2010/main" val="3497138795"/>
       </p:ext>
     </p:extLst>
   </p:cSld>
@@ -547,7 +547,7 @@
           <p:cNvPr id="2" name="竖排标题 1">
             <a:extLst>
               <a:ext uri="{FF2B5EF4-FFF2-40B4-BE49-F238E27FC236}">
-                <a16:creationId xmlns:a16="http://schemas.microsoft.com/office/drawing/2014/main" id="{541FCF41-B7A0-8447-73D5-55EECBEB6076}"/>
+                <a16:creationId xmlns:a16="http://schemas.microsoft.com/office/drawing/2014/main" id="{4B0ADE3C-C993-2107-2517-FA61F34CDAFA}"/>
               </a:ext>
             </a:extLst>
           </p:cNvPr>
@@ -580,7 +580,7 @@
           <p:cNvPr id="3" name="竖排文字占位符 2">
             <a:extLst>
               <a:ext uri="{FF2B5EF4-FFF2-40B4-BE49-F238E27FC236}">
-                <a16:creationId xmlns:a16="http://schemas.microsoft.com/office/drawing/2014/main" id="{EEEC36C5-3682-E1AE-2FE1-09745BEE6C42}"/>
+                <a16:creationId xmlns:a16="http://schemas.microsoft.com/office/drawing/2014/main" id="{FF55F629-DFD8-87A5-BD65-3EA573E2AD08}"/>
               </a:ext>
             </a:extLst>
           </p:cNvPr>
@@ -642,7 +642,7 @@
           <p:cNvPr id="4" name="日期占位符 3">
             <a:extLst>
               <a:ext uri="{FF2B5EF4-FFF2-40B4-BE49-F238E27FC236}">
-                <a16:creationId xmlns:a16="http://schemas.microsoft.com/office/drawing/2014/main" id="{C28D59D4-6073-BB07-4306-C07B97C81D66}"/>
+                <a16:creationId xmlns:a16="http://schemas.microsoft.com/office/drawing/2014/main" id="{9A4433BF-5347-0A2A-510F-FDC8A2698047}"/>
               </a:ext>
             </a:extLst>
           </p:cNvPr>
@@ -658,7 +658,7 @@
           <a:bodyPr/>
           <a:lstStyle/>
           <a:p>
-            <a:fld id="{CB55536C-2F78-4EDA-B2DC-0D71D0800C64}" type="datetimeFigureOut">
+            <a:fld id="{FA1D1E28-A008-4C8E-84D3-32BA113F65B4}" type="datetimeFigureOut">
               <a:rPr lang="zh-CN" altLang="en-US" smtClean="0"/>
               <a:t>2024/3/10</a:t>
             </a:fld>
@@ -671,7 +671,7 @@
           <p:cNvPr id="5" name="页脚占位符 4">
             <a:extLst>
               <a:ext uri="{FF2B5EF4-FFF2-40B4-BE49-F238E27FC236}">
-                <a16:creationId xmlns:a16="http://schemas.microsoft.com/office/drawing/2014/main" id="{1A315388-602A-0F1A-F803-CD94195E9939}"/>
+                <a16:creationId xmlns:a16="http://schemas.microsoft.com/office/drawing/2014/main" id="{AD2A5903-1695-55CF-882A-76117127768D}"/>
               </a:ext>
             </a:extLst>
           </p:cNvPr>
@@ -696,7 +696,7 @@
           <p:cNvPr id="6" name="灯片编号占位符 5">
             <a:extLst>
               <a:ext uri="{FF2B5EF4-FFF2-40B4-BE49-F238E27FC236}">
-                <a16:creationId xmlns:a16="http://schemas.microsoft.com/office/drawing/2014/main" id="{467B3969-B84D-7934-1AB4-F8BEF0DF244A}"/>
+                <a16:creationId xmlns:a16="http://schemas.microsoft.com/office/drawing/2014/main" id="{B197CCF5-72F0-D177-18CA-5FB53314C001}"/>
               </a:ext>
             </a:extLst>
           </p:cNvPr>
@@ -712,7 +712,7 @@
           <a:bodyPr/>
           <a:lstStyle/>
           <a:p>
-            <a:fld id="{3E830C39-F631-4369-8491-12C08EE9986F}" type="slidenum">
+            <a:fld id="{53E5C624-E60A-4146-A34B-A13EF17209E9}" type="slidenum">
               <a:rPr lang="zh-CN" altLang="en-US" smtClean="0"/>
               <a:t>‹#›</a:t>
             </a:fld>
@@ -723,7 +723,7 @@
     </p:spTree>
     <p:extLst>
       <p:ext uri="{BB962C8B-B14F-4D97-AF65-F5344CB8AC3E}">
-        <p14:creationId xmlns:p14="http://schemas.microsoft.com/office/powerpoint/2010/main" val="1264356019"/>
+        <p14:creationId xmlns:p14="http://schemas.microsoft.com/office/powerpoint/2010/main" val="2905155903"/>
       </p:ext>
     </p:extLst>
   </p:cSld>
@@ -755,7 +755,7 @@
           <p:cNvPr id="2" name="标题 1">
             <a:extLst>
               <a:ext uri="{FF2B5EF4-FFF2-40B4-BE49-F238E27FC236}">
-                <a16:creationId xmlns:a16="http://schemas.microsoft.com/office/drawing/2014/main" id="{A4FC45BB-CD8F-CC4D-1FCB-17A554C6BEEE}"/>
+                <a16:creationId xmlns:a16="http://schemas.microsoft.com/office/drawing/2014/main" id="{A6EA0B80-3246-CF6E-A72C-E72A4163DF17}"/>
               </a:ext>
             </a:extLst>
           </p:cNvPr>
@@ -783,7 +783,7 @@
           <p:cNvPr id="3" name="内容占位符 2">
             <a:extLst>
               <a:ext uri="{FF2B5EF4-FFF2-40B4-BE49-F238E27FC236}">
-                <a16:creationId xmlns:a16="http://schemas.microsoft.com/office/drawing/2014/main" id="{EE2651E2-D44B-ACFD-7591-F319FC2926BC}"/>
+                <a16:creationId xmlns:a16="http://schemas.microsoft.com/office/drawing/2014/main" id="{6CBCEA6B-EF1A-B8EB-3458-225029C2AFD1}"/>
               </a:ext>
             </a:extLst>
           </p:cNvPr>
@@ -840,7 +840,7 @@
           <p:cNvPr id="4" name="日期占位符 3">
             <a:extLst>
               <a:ext uri="{FF2B5EF4-FFF2-40B4-BE49-F238E27FC236}">
-                <a16:creationId xmlns:a16="http://schemas.microsoft.com/office/drawing/2014/main" id="{ABAC880C-EBBD-B62D-9150-B824395347F7}"/>
+                <a16:creationId xmlns:a16="http://schemas.microsoft.com/office/drawing/2014/main" id="{E0988703-2F5C-FB60-14D9-A7F7F42A18A5}"/>
               </a:ext>
             </a:extLst>
           </p:cNvPr>
@@ -856,7 +856,7 @@
           <a:bodyPr/>
           <a:lstStyle/>
           <a:p>
-            <a:fld id="{CB55536C-2F78-4EDA-B2DC-0D71D0800C64}" type="datetimeFigureOut">
+            <a:fld id="{FA1D1E28-A008-4C8E-84D3-32BA113F65B4}" type="datetimeFigureOut">
               <a:rPr lang="zh-CN" altLang="en-US" smtClean="0"/>
               <a:t>2024/3/10</a:t>
             </a:fld>
@@ -869,7 +869,7 @@
           <p:cNvPr id="5" name="页脚占位符 4">
             <a:extLst>
               <a:ext uri="{FF2B5EF4-FFF2-40B4-BE49-F238E27FC236}">
-                <a16:creationId xmlns:a16="http://schemas.microsoft.com/office/drawing/2014/main" id="{92E14587-3634-E821-116E-4045297FA5B4}"/>
+                <a16:creationId xmlns:a16="http://schemas.microsoft.com/office/drawing/2014/main" id="{41C1BC47-AE0C-7BFC-1273-55C24486D2F3}"/>
               </a:ext>
             </a:extLst>
           </p:cNvPr>
@@ -894,7 +894,7 @@
           <p:cNvPr id="6" name="灯片编号占位符 5">
             <a:extLst>
               <a:ext uri="{FF2B5EF4-FFF2-40B4-BE49-F238E27FC236}">
-                <a16:creationId xmlns:a16="http://schemas.microsoft.com/office/drawing/2014/main" id="{D8CE966D-E773-0D63-391B-15D1B4D98E61}"/>
+                <a16:creationId xmlns:a16="http://schemas.microsoft.com/office/drawing/2014/main" id="{A683CF97-62BD-B1DF-5132-1CF3EA30C371}"/>
               </a:ext>
             </a:extLst>
           </p:cNvPr>
@@ -910,7 +910,7 @@
           <a:bodyPr/>
           <a:lstStyle/>
           <a:p>
-            <a:fld id="{3E830C39-F631-4369-8491-12C08EE9986F}" type="slidenum">
+            <a:fld id="{53E5C624-E60A-4146-A34B-A13EF17209E9}" type="slidenum">
               <a:rPr lang="zh-CN" altLang="en-US" smtClean="0"/>
               <a:t>‹#›</a:t>
             </a:fld>
@@ -921,7 +921,7 @@
     </p:spTree>
     <p:extLst>
       <p:ext uri="{BB962C8B-B14F-4D97-AF65-F5344CB8AC3E}">
-        <p14:creationId xmlns:p14="http://schemas.microsoft.com/office/powerpoint/2010/main" val="1306600340"/>
+        <p14:creationId xmlns:p14="http://schemas.microsoft.com/office/powerpoint/2010/main" val="4000057113"/>
       </p:ext>
     </p:extLst>
   </p:cSld>
@@ -953,7 +953,7 @@
           <p:cNvPr id="2" name="标题 1">
             <a:extLst>
               <a:ext uri="{FF2B5EF4-FFF2-40B4-BE49-F238E27FC236}">
-                <a16:creationId xmlns:a16="http://schemas.microsoft.com/office/drawing/2014/main" id="{8D295F95-1610-53D3-FDC3-2043CC372714}"/>
+                <a16:creationId xmlns:a16="http://schemas.microsoft.com/office/drawing/2014/main" id="{BA406F1C-7D0A-FB6A-8C97-FD82A43229CF}"/>
               </a:ext>
             </a:extLst>
           </p:cNvPr>
@@ -990,7 +990,7 @@
           <p:cNvPr id="3" name="文本占位符 2">
             <a:extLst>
               <a:ext uri="{FF2B5EF4-FFF2-40B4-BE49-F238E27FC236}">
-                <a16:creationId xmlns:a16="http://schemas.microsoft.com/office/drawing/2014/main" id="{AF239096-A749-CBA2-ED7B-B59950C69168}"/>
+                <a16:creationId xmlns:a16="http://schemas.microsoft.com/office/drawing/2014/main" id="{6EFDC05F-77D5-B7AB-AF74-4F5AA3C2E8BF}"/>
               </a:ext>
             </a:extLst>
           </p:cNvPr>
@@ -1115,7 +1115,7 @@
           <p:cNvPr id="4" name="日期占位符 3">
             <a:extLst>
               <a:ext uri="{FF2B5EF4-FFF2-40B4-BE49-F238E27FC236}">
-                <a16:creationId xmlns:a16="http://schemas.microsoft.com/office/drawing/2014/main" id="{CDC3D67A-FC86-5972-632F-52A09C80B876}"/>
+                <a16:creationId xmlns:a16="http://schemas.microsoft.com/office/drawing/2014/main" id="{92D26950-DF74-548B-068F-700914CDC381}"/>
               </a:ext>
             </a:extLst>
           </p:cNvPr>
@@ -1131,7 +1131,7 @@
           <a:bodyPr/>
           <a:lstStyle/>
           <a:p>
-            <a:fld id="{CB55536C-2F78-4EDA-B2DC-0D71D0800C64}" type="datetimeFigureOut">
+            <a:fld id="{FA1D1E28-A008-4C8E-84D3-32BA113F65B4}" type="datetimeFigureOut">
               <a:rPr lang="zh-CN" altLang="en-US" smtClean="0"/>
               <a:t>2024/3/10</a:t>
             </a:fld>
@@ -1144,7 +1144,7 @@
           <p:cNvPr id="5" name="页脚占位符 4">
             <a:extLst>
               <a:ext uri="{FF2B5EF4-FFF2-40B4-BE49-F238E27FC236}">
-                <a16:creationId xmlns:a16="http://schemas.microsoft.com/office/drawing/2014/main" id="{2835AC11-1FF7-3CDB-0F0D-0D2CC6D7C9D8}"/>
+                <a16:creationId xmlns:a16="http://schemas.microsoft.com/office/drawing/2014/main" id="{91571F00-0445-7CEF-32E6-EADD29CB2BEA}"/>
               </a:ext>
             </a:extLst>
           </p:cNvPr>
@@ -1169,7 +1169,7 @@
           <p:cNvPr id="6" name="灯片编号占位符 5">
             <a:extLst>
               <a:ext uri="{FF2B5EF4-FFF2-40B4-BE49-F238E27FC236}">
-                <a16:creationId xmlns:a16="http://schemas.microsoft.com/office/drawing/2014/main" id="{269353E8-CBF1-20DA-ECF6-5BCB9682BA67}"/>
+                <a16:creationId xmlns:a16="http://schemas.microsoft.com/office/drawing/2014/main" id="{473AFE91-F5EB-2AC8-C9C5-85D4FFB97CBF}"/>
               </a:ext>
             </a:extLst>
           </p:cNvPr>
@@ -1185,7 +1185,7 @@
           <a:bodyPr/>
           <a:lstStyle/>
           <a:p>
-            <a:fld id="{3E830C39-F631-4369-8491-12C08EE9986F}" type="slidenum">
+            <a:fld id="{53E5C624-E60A-4146-A34B-A13EF17209E9}" type="slidenum">
               <a:rPr lang="zh-CN" altLang="en-US" smtClean="0"/>
               <a:t>‹#›</a:t>
             </a:fld>
@@ -1196,7 +1196,7 @@
     </p:spTree>
     <p:extLst>
       <p:ext uri="{BB962C8B-B14F-4D97-AF65-F5344CB8AC3E}">
-        <p14:creationId xmlns:p14="http://schemas.microsoft.com/office/powerpoint/2010/main" val="1898576394"/>
+        <p14:creationId xmlns:p14="http://schemas.microsoft.com/office/powerpoint/2010/main" val="1860637510"/>
       </p:ext>
     </p:extLst>
   </p:cSld>
@@ -1228,7 +1228,7 @@
           <p:cNvPr id="2" name="标题 1">
             <a:extLst>
               <a:ext uri="{FF2B5EF4-FFF2-40B4-BE49-F238E27FC236}">
-                <a16:creationId xmlns:a16="http://schemas.microsoft.com/office/drawing/2014/main" id="{CC062874-CCBA-B0E9-3730-AAE9389ADA87}"/>
+                <a16:creationId xmlns:a16="http://schemas.microsoft.com/office/drawing/2014/main" id="{FFFBF56D-E4C4-37B0-27BC-F4CC41E6AF9F}"/>
               </a:ext>
             </a:extLst>
           </p:cNvPr>
@@ -1256,7 +1256,7 @@
           <p:cNvPr id="3" name="内容占位符 2">
             <a:extLst>
               <a:ext uri="{FF2B5EF4-FFF2-40B4-BE49-F238E27FC236}">
-                <a16:creationId xmlns:a16="http://schemas.microsoft.com/office/drawing/2014/main" id="{DBDDBB7D-98FB-DCE1-D9EA-14EF766A1792}"/>
+                <a16:creationId xmlns:a16="http://schemas.microsoft.com/office/drawing/2014/main" id="{62A05FB5-C3EA-D64E-10AF-9930EBA5B72A}"/>
               </a:ext>
             </a:extLst>
           </p:cNvPr>
@@ -1318,7 +1318,7 @@
           <p:cNvPr id="4" name="内容占位符 3">
             <a:extLst>
               <a:ext uri="{FF2B5EF4-FFF2-40B4-BE49-F238E27FC236}">
-                <a16:creationId xmlns:a16="http://schemas.microsoft.com/office/drawing/2014/main" id="{47C273E0-9AD8-6473-864B-AFD6F2B47FA6}"/>
+                <a16:creationId xmlns:a16="http://schemas.microsoft.com/office/drawing/2014/main" id="{E3198BB3-DAA1-207C-0E59-1F7207F9F790}"/>
               </a:ext>
             </a:extLst>
           </p:cNvPr>
@@ -1380,7 +1380,7 @@
           <p:cNvPr id="5" name="日期占位符 4">
             <a:extLst>
               <a:ext uri="{FF2B5EF4-FFF2-40B4-BE49-F238E27FC236}">
-                <a16:creationId xmlns:a16="http://schemas.microsoft.com/office/drawing/2014/main" id="{5975A3EF-A3DE-1D34-5DA8-4D41DD033B69}"/>
+                <a16:creationId xmlns:a16="http://schemas.microsoft.com/office/drawing/2014/main" id="{85773F93-5DD2-3EB7-094A-C10102D27CED}"/>
               </a:ext>
             </a:extLst>
           </p:cNvPr>
@@ -1396,7 +1396,7 @@
           <a:bodyPr/>
           <a:lstStyle/>
           <a:p>
-            <a:fld id="{CB55536C-2F78-4EDA-B2DC-0D71D0800C64}" type="datetimeFigureOut">
+            <a:fld id="{FA1D1E28-A008-4C8E-84D3-32BA113F65B4}" type="datetimeFigureOut">
               <a:rPr lang="zh-CN" altLang="en-US" smtClean="0"/>
               <a:t>2024/3/10</a:t>
             </a:fld>
@@ -1409,7 +1409,7 @@
           <p:cNvPr id="6" name="页脚占位符 5">
             <a:extLst>
               <a:ext uri="{FF2B5EF4-FFF2-40B4-BE49-F238E27FC236}">
-                <a16:creationId xmlns:a16="http://schemas.microsoft.com/office/drawing/2014/main" id="{1D25B0CA-9A6B-1C68-A6FB-E6347AA9BAD9}"/>
+                <a16:creationId xmlns:a16="http://schemas.microsoft.com/office/drawing/2014/main" id="{502E513B-3685-DB26-1C30-787A4468BBD8}"/>
               </a:ext>
             </a:extLst>
           </p:cNvPr>
@@ -1434,7 +1434,7 @@
           <p:cNvPr id="7" name="灯片编号占位符 6">
             <a:extLst>
               <a:ext uri="{FF2B5EF4-FFF2-40B4-BE49-F238E27FC236}">
-                <a16:creationId xmlns:a16="http://schemas.microsoft.com/office/drawing/2014/main" id="{505DEEC9-D2F6-D0C3-789E-1B0564B101D4}"/>
+                <a16:creationId xmlns:a16="http://schemas.microsoft.com/office/drawing/2014/main" id="{F8EEC2D3-69D6-70A9-FF57-F8E6CB0CC0D1}"/>
               </a:ext>
             </a:extLst>
           </p:cNvPr>
@@ -1450,7 +1450,7 @@
           <a:bodyPr/>
           <a:lstStyle/>
           <a:p>
-            <a:fld id="{3E830C39-F631-4369-8491-12C08EE9986F}" type="slidenum">
+            <a:fld id="{53E5C624-E60A-4146-A34B-A13EF17209E9}" type="slidenum">
               <a:rPr lang="zh-CN" altLang="en-US" smtClean="0"/>
               <a:t>‹#›</a:t>
             </a:fld>
@@ -1461,7 +1461,7 @@
     </p:spTree>
     <p:extLst>
       <p:ext uri="{BB962C8B-B14F-4D97-AF65-F5344CB8AC3E}">
-        <p14:creationId xmlns:p14="http://schemas.microsoft.com/office/powerpoint/2010/main" val="4111690721"/>
+        <p14:creationId xmlns:p14="http://schemas.microsoft.com/office/powerpoint/2010/main" val="2181870735"/>
       </p:ext>
     </p:extLst>
   </p:cSld>
@@ -1493,7 +1493,7 @@
           <p:cNvPr id="2" name="标题 1">
             <a:extLst>
               <a:ext uri="{FF2B5EF4-FFF2-40B4-BE49-F238E27FC236}">
-                <a16:creationId xmlns:a16="http://schemas.microsoft.com/office/drawing/2014/main" id="{2D1DDF2F-7FDD-8A54-A51C-952E76E7F25F}"/>
+                <a16:creationId xmlns:a16="http://schemas.microsoft.com/office/drawing/2014/main" id="{DB04BBA8-DBF9-9751-4620-E5F440DAEDF3}"/>
               </a:ext>
             </a:extLst>
           </p:cNvPr>
@@ -1526,7 +1526,7 @@
           <p:cNvPr id="3" name="文本占位符 2">
             <a:extLst>
               <a:ext uri="{FF2B5EF4-FFF2-40B4-BE49-F238E27FC236}">
-                <a16:creationId xmlns:a16="http://schemas.microsoft.com/office/drawing/2014/main" id="{2EDBF29C-F486-0972-1853-DBBBA2322CF6}"/>
+                <a16:creationId xmlns:a16="http://schemas.microsoft.com/office/drawing/2014/main" id="{C4768CFD-E3E5-C17E-C609-336513B14179}"/>
               </a:ext>
             </a:extLst>
           </p:cNvPr>
@@ -1597,7 +1597,7 @@
           <p:cNvPr id="4" name="内容占位符 3">
             <a:extLst>
               <a:ext uri="{FF2B5EF4-FFF2-40B4-BE49-F238E27FC236}">
-                <a16:creationId xmlns:a16="http://schemas.microsoft.com/office/drawing/2014/main" id="{ED366C0E-9EFC-1A4B-CA8E-152B34643B57}"/>
+                <a16:creationId xmlns:a16="http://schemas.microsoft.com/office/drawing/2014/main" id="{9E249B27-E1F5-7F8B-39EA-BA078098023C}"/>
               </a:ext>
             </a:extLst>
           </p:cNvPr>
@@ -1659,7 +1659,7 @@
           <p:cNvPr id="5" name="文本占位符 4">
             <a:extLst>
               <a:ext uri="{FF2B5EF4-FFF2-40B4-BE49-F238E27FC236}">
-                <a16:creationId xmlns:a16="http://schemas.microsoft.com/office/drawing/2014/main" id="{AA6580D2-9B84-7947-F205-17E1FC46E5B8}"/>
+                <a16:creationId xmlns:a16="http://schemas.microsoft.com/office/drawing/2014/main" id="{D52605B3-4A60-6655-3672-6F582A903F92}"/>
               </a:ext>
             </a:extLst>
           </p:cNvPr>
@@ -1730,7 +1730,7 @@
           <p:cNvPr id="6" name="内容占位符 5">
             <a:extLst>
               <a:ext uri="{FF2B5EF4-FFF2-40B4-BE49-F238E27FC236}">
-                <a16:creationId xmlns:a16="http://schemas.microsoft.com/office/drawing/2014/main" id="{34F86E2D-93C0-7BFE-4D57-1F6151AB1366}"/>
+                <a16:creationId xmlns:a16="http://schemas.microsoft.com/office/drawing/2014/main" id="{D5E21A93-0BB5-BDA8-1EF9-2BC9051A03D1}"/>
               </a:ext>
             </a:extLst>
           </p:cNvPr>
@@ -1792,7 +1792,7 @@
           <p:cNvPr id="7" name="日期占位符 6">
             <a:extLst>
               <a:ext uri="{FF2B5EF4-FFF2-40B4-BE49-F238E27FC236}">
-                <a16:creationId xmlns:a16="http://schemas.microsoft.com/office/drawing/2014/main" id="{6FA559C6-F541-79C3-7E3B-D97CBF5D7C8F}"/>
+                <a16:creationId xmlns:a16="http://schemas.microsoft.com/office/drawing/2014/main" id="{E28FE32A-7237-8F8B-109F-BF9EF90701F1}"/>
               </a:ext>
             </a:extLst>
           </p:cNvPr>
@@ -1808,7 +1808,7 @@
           <a:bodyPr/>
           <a:lstStyle/>
           <a:p>
-            <a:fld id="{CB55536C-2F78-4EDA-B2DC-0D71D0800C64}" type="datetimeFigureOut">
+            <a:fld id="{FA1D1E28-A008-4C8E-84D3-32BA113F65B4}" type="datetimeFigureOut">
               <a:rPr lang="zh-CN" altLang="en-US" smtClean="0"/>
               <a:t>2024/3/10</a:t>
             </a:fld>
@@ -1821,7 +1821,7 @@
           <p:cNvPr id="8" name="页脚占位符 7">
             <a:extLst>
               <a:ext uri="{FF2B5EF4-FFF2-40B4-BE49-F238E27FC236}">
-                <a16:creationId xmlns:a16="http://schemas.microsoft.com/office/drawing/2014/main" id="{B3E979DE-8ACC-A97C-F88C-BFCB6F642E50}"/>
+                <a16:creationId xmlns:a16="http://schemas.microsoft.com/office/drawing/2014/main" id="{01DDB451-C41C-A39C-062A-139AF4047A74}"/>
               </a:ext>
             </a:extLst>
           </p:cNvPr>
@@ -1846,7 +1846,7 @@
           <p:cNvPr id="9" name="灯片编号占位符 8">
             <a:extLst>
               <a:ext uri="{FF2B5EF4-FFF2-40B4-BE49-F238E27FC236}">
-                <a16:creationId xmlns:a16="http://schemas.microsoft.com/office/drawing/2014/main" id="{F0F868D6-F06F-9C5E-27AD-2BFEE1B5B098}"/>
+                <a16:creationId xmlns:a16="http://schemas.microsoft.com/office/drawing/2014/main" id="{B499EB17-FE17-5E82-ABFC-C4F487AA5F9D}"/>
               </a:ext>
             </a:extLst>
           </p:cNvPr>
@@ -1862,7 +1862,7 @@
           <a:bodyPr/>
           <a:lstStyle/>
           <a:p>
-            <a:fld id="{3E830C39-F631-4369-8491-12C08EE9986F}" type="slidenum">
+            <a:fld id="{53E5C624-E60A-4146-A34B-A13EF17209E9}" type="slidenum">
               <a:rPr lang="zh-CN" altLang="en-US" smtClean="0"/>
               <a:t>‹#›</a:t>
             </a:fld>
@@ -1873,7 +1873,7 @@
     </p:spTree>
     <p:extLst>
       <p:ext uri="{BB962C8B-B14F-4D97-AF65-F5344CB8AC3E}">
-        <p14:creationId xmlns:p14="http://schemas.microsoft.com/office/powerpoint/2010/main" val="4190009222"/>
+        <p14:creationId xmlns:p14="http://schemas.microsoft.com/office/powerpoint/2010/main" val="693720627"/>
       </p:ext>
     </p:extLst>
   </p:cSld>
@@ -1905,7 +1905,7 @@
           <p:cNvPr id="2" name="标题 1">
             <a:extLst>
               <a:ext uri="{FF2B5EF4-FFF2-40B4-BE49-F238E27FC236}">
-                <a16:creationId xmlns:a16="http://schemas.microsoft.com/office/drawing/2014/main" id="{9E526D75-362B-A1D6-CF50-337E746AB8A1}"/>
+                <a16:creationId xmlns:a16="http://schemas.microsoft.com/office/drawing/2014/main" id="{9CFAE99D-0CCE-0EB3-CEDF-AED506EFCE3B}"/>
               </a:ext>
             </a:extLst>
           </p:cNvPr>
@@ -1933,7 +1933,7 @@
           <p:cNvPr id="3" name="日期占位符 2">
             <a:extLst>
               <a:ext uri="{FF2B5EF4-FFF2-40B4-BE49-F238E27FC236}">
-                <a16:creationId xmlns:a16="http://schemas.microsoft.com/office/drawing/2014/main" id="{EF449602-5002-A5B8-9C9F-D4033EDD2DF2}"/>
+                <a16:creationId xmlns:a16="http://schemas.microsoft.com/office/drawing/2014/main" id="{A66D43FA-B91B-4539-2B12-7D82B79E51C0}"/>
               </a:ext>
             </a:extLst>
           </p:cNvPr>
@@ -1949,7 +1949,7 @@
           <a:bodyPr/>
           <a:lstStyle/>
           <a:p>
-            <a:fld id="{CB55536C-2F78-4EDA-B2DC-0D71D0800C64}" type="datetimeFigureOut">
+            <a:fld id="{FA1D1E28-A008-4C8E-84D3-32BA113F65B4}" type="datetimeFigureOut">
               <a:rPr lang="zh-CN" altLang="en-US" smtClean="0"/>
               <a:t>2024/3/10</a:t>
             </a:fld>
@@ -1962,7 +1962,7 @@
           <p:cNvPr id="4" name="页脚占位符 3">
             <a:extLst>
               <a:ext uri="{FF2B5EF4-FFF2-40B4-BE49-F238E27FC236}">
-                <a16:creationId xmlns:a16="http://schemas.microsoft.com/office/drawing/2014/main" id="{0760080B-D728-05B9-EC61-65D1AE1C6530}"/>
+                <a16:creationId xmlns:a16="http://schemas.microsoft.com/office/drawing/2014/main" id="{35C51628-5A5E-5E49-E45F-EE3C3678FC51}"/>
               </a:ext>
             </a:extLst>
           </p:cNvPr>
@@ -1987,7 +1987,7 @@
           <p:cNvPr id="5" name="灯片编号占位符 4">
             <a:extLst>
               <a:ext uri="{FF2B5EF4-FFF2-40B4-BE49-F238E27FC236}">
-                <a16:creationId xmlns:a16="http://schemas.microsoft.com/office/drawing/2014/main" id="{F676BD80-1032-F6F5-C6C2-864419607E0A}"/>
+                <a16:creationId xmlns:a16="http://schemas.microsoft.com/office/drawing/2014/main" id="{AE4A60C8-C3E8-00F9-750E-908AFD8D230F}"/>
               </a:ext>
             </a:extLst>
           </p:cNvPr>
@@ -2003,7 +2003,7 @@
           <a:bodyPr/>
           <a:lstStyle/>
           <a:p>
-            <a:fld id="{3E830C39-F631-4369-8491-12C08EE9986F}" type="slidenum">
+            <a:fld id="{53E5C624-E60A-4146-A34B-A13EF17209E9}" type="slidenum">
               <a:rPr lang="zh-CN" altLang="en-US" smtClean="0"/>
               <a:t>‹#›</a:t>
             </a:fld>
@@ -2014,7 +2014,7 @@
     </p:spTree>
     <p:extLst>
       <p:ext uri="{BB962C8B-B14F-4D97-AF65-F5344CB8AC3E}">
-        <p14:creationId xmlns:p14="http://schemas.microsoft.com/office/powerpoint/2010/main" val="2767775584"/>
+        <p14:creationId xmlns:p14="http://schemas.microsoft.com/office/powerpoint/2010/main" val="4183762388"/>
       </p:ext>
     </p:extLst>
   </p:cSld>
@@ -2046,7 +2046,7 @@
           <p:cNvPr id="2" name="日期占位符 1">
             <a:extLst>
               <a:ext uri="{FF2B5EF4-FFF2-40B4-BE49-F238E27FC236}">
-                <a16:creationId xmlns:a16="http://schemas.microsoft.com/office/drawing/2014/main" id="{5A0EEBBA-E92B-4E98-51B1-E30988E24957}"/>
+                <a16:creationId xmlns:a16="http://schemas.microsoft.com/office/drawing/2014/main" id="{525D5018-0B03-07E1-4553-DCF6CADE2930}"/>
               </a:ext>
             </a:extLst>
           </p:cNvPr>
@@ -2062,7 +2062,7 @@
           <a:bodyPr/>
           <a:lstStyle/>
           <a:p>
-            <a:fld id="{CB55536C-2F78-4EDA-B2DC-0D71D0800C64}" type="datetimeFigureOut">
+            <a:fld id="{FA1D1E28-A008-4C8E-84D3-32BA113F65B4}" type="datetimeFigureOut">
               <a:rPr lang="zh-CN" altLang="en-US" smtClean="0"/>
               <a:t>2024/3/10</a:t>
             </a:fld>
@@ -2075,7 +2075,7 @@
           <p:cNvPr id="3" name="页脚占位符 2">
             <a:extLst>
               <a:ext uri="{FF2B5EF4-FFF2-40B4-BE49-F238E27FC236}">
-                <a16:creationId xmlns:a16="http://schemas.microsoft.com/office/drawing/2014/main" id="{2D4DB825-5ADC-F09D-A4AB-B7DBCF30443E}"/>
+                <a16:creationId xmlns:a16="http://schemas.microsoft.com/office/drawing/2014/main" id="{A6269A0A-4931-73B6-888B-AE42C27C7349}"/>
               </a:ext>
             </a:extLst>
           </p:cNvPr>
@@ -2100,7 +2100,7 @@
           <p:cNvPr id="4" name="灯片编号占位符 3">
             <a:extLst>
               <a:ext uri="{FF2B5EF4-FFF2-40B4-BE49-F238E27FC236}">
-                <a16:creationId xmlns:a16="http://schemas.microsoft.com/office/drawing/2014/main" id="{97ECA919-68A7-1826-31B0-04F821C16173}"/>
+                <a16:creationId xmlns:a16="http://schemas.microsoft.com/office/drawing/2014/main" id="{8BBA5DFD-70DE-4CD4-DCE3-CCCD9009C3ED}"/>
               </a:ext>
             </a:extLst>
           </p:cNvPr>
@@ -2116,7 +2116,7 @@
           <a:bodyPr/>
           <a:lstStyle/>
           <a:p>
-            <a:fld id="{3E830C39-F631-4369-8491-12C08EE9986F}" type="slidenum">
+            <a:fld id="{53E5C624-E60A-4146-A34B-A13EF17209E9}" type="slidenum">
               <a:rPr lang="zh-CN" altLang="en-US" smtClean="0"/>
               <a:t>‹#›</a:t>
             </a:fld>
@@ -2127,7 +2127,7 @@
     </p:spTree>
     <p:extLst>
       <p:ext uri="{BB962C8B-B14F-4D97-AF65-F5344CB8AC3E}">
-        <p14:creationId xmlns:p14="http://schemas.microsoft.com/office/powerpoint/2010/main" val="2197811605"/>
+        <p14:creationId xmlns:p14="http://schemas.microsoft.com/office/powerpoint/2010/main" val="1313216825"/>
       </p:ext>
     </p:extLst>
   </p:cSld>
@@ -2159,7 +2159,7 @@
           <p:cNvPr id="2" name="标题 1">
             <a:extLst>
               <a:ext uri="{FF2B5EF4-FFF2-40B4-BE49-F238E27FC236}">
-                <a16:creationId xmlns:a16="http://schemas.microsoft.com/office/drawing/2014/main" id="{6C5882F3-AEF2-519D-37CE-5D126F0EBBE8}"/>
+                <a16:creationId xmlns:a16="http://schemas.microsoft.com/office/drawing/2014/main" id="{724383BB-54A4-7387-BB90-E88B5B398383}"/>
               </a:ext>
             </a:extLst>
           </p:cNvPr>
@@ -2196,7 +2196,7 @@
           <p:cNvPr id="3" name="内容占位符 2">
             <a:extLst>
               <a:ext uri="{FF2B5EF4-FFF2-40B4-BE49-F238E27FC236}">
-                <a16:creationId xmlns:a16="http://schemas.microsoft.com/office/drawing/2014/main" id="{B8568E39-DB15-5593-4EB1-73B92B7EE8FB}"/>
+                <a16:creationId xmlns:a16="http://schemas.microsoft.com/office/drawing/2014/main" id="{A974ED2C-55F3-13D8-5AB0-486E6C6D1019}"/>
               </a:ext>
             </a:extLst>
           </p:cNvPr>
@@ -2286,7 +2286,7 @@
           <p:cNvPr id="4" name="文本占位符 3">
             <a:extLst>
               <a:ext uri="{FF2B5EF4-FFF2-40B4-BE49-F238E27FC236}">
-                <a16:creationId xmlns:a16="http://schemas.microsoft.com/office/drawing/2014/main" id="{40D316EA-29C7-FBEF-C6AA-392DDDD456BF}"/>
+                <a16:creationId xmlns:a16="http://schemas.microsoft.com/office/drawing/2014/main" id="{287C7F8D-1D52-FE2D-729B-CCFBF1EA18A4}"/>
               </a:ext>
             </a:extLst>
           </p:cNvPr>
@@ -2357,7 +2357,7 @@
           <p:cNvPr id="5" name="日期占位符 4">
             <a:extLst>
               <a:ext uri="{FF2B5EF4-FFF2-40B4-BE49-F238E27FC236}">
-                <a16:creationId xmlns:a16="http://schemas.microsoft.com/office/drawing/2014/main" id="{1D346D64-514C-4A91-31D6-0B64B2E1C299}"/>
+                <a16:creationId xmlns:a16="http://schemas.microsoft.com/office/drawing/2014/main" id="{55A7C7B1-B8BD-EA05-553D-3A308911BA5D}"/>
               </a:ext>
             </a:extLst>
           </p:cNvPr>
@@ -2373,7 +2373,7 @@
           <a:bodyPr/>
           <a:lstStyle/>
           <a:p>
-            <a:fld id="{CB55536C-2F78-4EDA-B2DC-0D71D0800C64}" type="datetimeFigureOut">
+            <a:fld id="{FA1D1E28-A008-4C8E-84D3-32BA113F65B4}" type="datetimeFigureOut">
               <a:rPr lang="zh-CN" altLang="en-US" smtClean="0"/>
               <a:t>2024/3/10</a:t>
             </a:fld>
@@ -2386,7 +2386,7 @@
           <p:cNvPr id="6" name="页脚占位符 5">
             <a:extLst>
               <a:ext uri="{FF2B5EF4-FFF2-40B4-BE49-F238E27FC236}">
-                <a16:creationId xmlns:a16="http://schemas.microsoft.com/office/drawing/2014/main" id="{BEDAA4A9-0A10-74F8-86AA-BD98E058DAC0}"/>
+                <a16:creationId xmlns:a16="http://schemas.microsoft.com/office/drawing/2014/main" id="{C13579E8-5372-513B-587E-5C46F8102555}"/>
               </a:ext>
             </a:extLst>
           </p:cNvPr>
@@ -2411,7 +2411,7 @@
           <p:cNvPr id="7" name="灯片编号占位符 6">
             <a:extLst>
               <a:ext uri="{FF2B5EF4-FFF2-40B4-BE49-F238E27FC236}">
-                <a16:creationId xmlns:a16="http://schemas.microsoft.com/office/drawing/2014/main" id="{CDC29467-B76A-064F-59C0-8EA97A4FACE1}"/>
+                <a16:creationId xmlns:a16="http://schemas.microsoft.com/office/drawing/2014/main" id="{A7D26F83-EA19-27E4-4804-413E4E52D475}"/>
               </a:ext>
             </a:extLst>
           </p:cNvPr>
@@ -2427,7 +2427,7 @@
           <a:bodyPr/>
           <a:lstStyle/>
           <a:p>
-            <a:fld id="{3E830C39-F631-4369-8491-12C08EE9986F}" type="slidenum">
+            <a:fld id="{53E5C624-E60A-4146-A34B-A13EF17209E9}" type="slidenum">
               <a:rPr lang="zh-CN" altLang="en-US" smtClean="0"/>
               <a:t>‹#›</a:t>
             </a:fld>
@@ -2438,7 +2438,7 @@
     </p:spTree>
     <p:extLst>
       <p:ext uri="{BB962C8B-B14F-4D97-AF65-F5344CB8AC3E}">
-        <p14:creationId xmlns:p14="http://schemas.microsoft.com/office/powerpoint/2010/main" val="3473448158"/>
+        <p14:creationId xmlns:p14="http://schemas.microsoft.com/office/powerpoint/2010/main" val="1348336598"/>
       </p:ext>
     </p:extLst>
   </p:cSld>
@@ -2470,7 +2470,7 @@
           <p:cNvPr id="2" name="标题 1">
             <a:extLst>
               <a:ext uri="{FF2B5EF4-FFF2-40B4-BE49-F238E27FC236}">
-                <a16:creationId xmlns:a16="http://schemas.microsoft.com/office/drawing/2014/main" id="{02B402B6-C2D3-2E06-41BC-A8129F696BE2}"/>
+                <a16:creationId xmlns:a16="http://schemas.microsoft.com/office/drawing/2014/main" id="{597AC474-99B5-51C2-E18A-D09D48D9F31A}"/>
               </a:ext>
             </a:extLst>
           </p:cNvPr>
@@ -2507,7 +2507,7 @@
           <p:cNvPr id="3" name="图片占位符 2">
             <a:extLst>
               <a:ext uri="{FF2B5EF4-FFF2-40B4-BE49-F238E27FC236}">
-                <a16:creationId xmlns:a16="http://schemas.microsoft.com/office/drawing/2014/main" id="{DBF52567-893F-0401-3085-CC160B612D47}"/>
+                <a16:creationId xmlns:a16="http://schemas.microsoft.com/office/drawing/2014/main" id="{8D2F8FDD-0912-2B3E-EC7C-04FA1BBB2188}"/>
               </a:ext>
             </a:extLst>
           </p:cNvPr>
@@ -2574,7 +2574,7 @@
           <p:cNvPr id="4" name="文本占位符 3">
             <a:extLst>
               <a:ext uri="{FF2B5EF4-FFF2-40B4-BE49-F238E27FC236}">
-                <a16:creationId xmlns:a16="http://schemas.microsoft.com/office/drawing/2014/main" id="{CB82F29B-D640-7F4F-2D2E-65B8DC09E89E}"/>
+                <a16:creationId xmlns:a16="http://schemas.microsoft.com/office/drawing/2014/main" id="{F55465C1-BB75-F475-2404-A7A1B4BBC8A1}"/>
               </a:ext>
             </a:extLst>
           </p:cNvPr>
@@ -2645,7 +2645,7 @@
           <p:cNvPr id="5" name="日期占位符 4">
             <a:extLst>
               <a:ext uri="{FF2B5EF4-FFF2-40B4-BE49-F238E27FC236}">
-                <a16:creationId xmlns:a16="http://schemas.microsoft.com/office/drawing/2014/main" id="{ACD6405D-7B7B-6932-ED4D-F34A5886B81E}"/>
+                <a16:creationId xmlns:a16="http://schemas.microsoft.com/office/drawing/2014/main" id="{E74F5DB3-1766-0CB1-7CD7-D40F11A2CE85}"/>
               </a:ext>
             </a:extLst>
           </p:cNvPr>
@@ -2661,7 +2661,7 @@
           <a:bodyPr/>
           <a:lstStyle/>
           <a:p>
-            <a:fld id="{CB55536C-2F78-4EDA-B2DC-0D71D0800C64}" type="datetimeFigureOut">
+            <a:fld id="{FA1D1E28-A008-4C8E-84D3-32BA113F65B4}" type="datetimeFigureOut">
               <a:rPr lang="zh-CN" altLang="en-US" smtClean="0"/>
               <a:t>2024/3/10</a:t>
             </a:fld>
@@ -2674,7 +2674,7 @@
           <p:cNvPr id="6" name="页脚占位符 5">
             <a:extLst>
               <a:ext uri="{FF2B5EF4-FFF2-40B4-BE49-F238E27FC236}">
-                <a16:creationId xmlns:a16="http://schemas.microsoft.com/office/drawing/2014/main" id="{6C3A7EF9-B833-6677-E39A-D5881BA1E5D1}"/>
+                <a16:creationId xmlns:a16="http://schemas.microsoft.com/office/drawing/2014/main" id="{AB60FEB3-1644-6A2C-F4F6-B63085A8C8F5}"/>
               </a:ext>
             </a:extLst>
           </p:cNvPr>
@@ -2699,7 +2699,7 @@
           <p:cNvPr id="7" name="灯片编号占位符 6">
             <a:extLst>
               <a:ext uri="{FF2B5EF4-FFF2-40B4-BE49-F238E27FC236}">
-                <a16:creationId xmlns:a16="http://schemas.microsoft.com/office/drawing/2014/main" id="{409FCFB3-BE80-1307-8E9D-C7AC898232D0}"/>
+                <a16:creationId xmlns:a16="http://schemas.microsoft.com/office/drawing/2014/main" id="{FD6E0B91-9071-EC80-4D4E-0DF5DFC9D217}"/>
               </a:ext>
             </a:extLst>
           </p:cNvPr>
@@ -2715,7 +2715,7 @@
           <a:bodyPr/>
           <a:lstStyle/>
           <a:p>
-            <a:fld id="{3E830C39-F631-4369-8491-12C08EE9986F}" type="slidenum">
+            <a:fld id="{53E5C624-E60A-4146-A34B-A13EF17209E9}" type="slidenum">
               <a:rPr lang="zh-CN" altLang="en-US" smtClean="0"/>
               <a:t>‹#›</a:t>
             </a:fld>
@@ -2726,7 +2726,7 @@
     </p:spTree>
     <p:extLst>
       <p:ext uri="{BB962C8B-B14F-4D97-AF65-F5344CB8AC3E}">
-        <p14:creationId xmlns:p14="http://schemas.microsoft.com/office/powerpoint/2010/main" val="1153287878"/>
+        <p14:creationId xmlns:p14="http://schemas.microsoft.com/office/powerpoint/2010/main" val="2358038889"/>
       </p:ext>
     </p:extLst>
   </p:cSld>
@@ -2763,7 +2763,7 @@
           <p:cNvPr id="2" name="标题占位符 1">
             <a:extLst>
               <a:ext uri="{FF2B5EF4-FFF2-40B4-BE49-F238E27FC236}">
-                <a16:creationId xmlns:a16="http://schemas.microsoft.com/office/drawing/2014/main" id="{1BFE6342-9CA8-1AFA-1FD4-CEE5082C8964}"/>
+                <a16:creationId xmlns:a16="http://schemas.microsoft.com/office/drawing/2014/main" id="{A7773694-A788-6852-E0A7-41EA4254464D}"/>
               </a:ext>
             </a:extLst>
           </p:cNvPr>
@@ -2801,7 +2801,7 @@
           <p:cNvPr id="3" name="文本占位符 2">
             <a:extLst>
               <a:ext uri="{FF2B5EF4-FFF2-40B4-BE49-F238E27FC236}">
-                <a16:creationId xmlns:a16="http://schemas.microsoft.com/office/drawing/2014/main" id="{380C12E6-F9D7-78E0-EDEB-512FCD3247C0}"/>
+                <a16:creationId xmlns:a16="http://schemas.microsoft.com/office/drawing/2014/main" id="{647D0A48-59ED-DBEE-8D28-DEFD183E221E}"/>
               </a:ext>
             </a:extLst>
           </p:cNvPr>
@@ -2868,7 +2868,7 @@
           <p:cNvPr id="4" name="日期占位符 3">
             <a:extLst>
               <a:ext uri="{FF2B5EF4-FFF2-40B4-BE49-F238E27FC236}">
-                <a16:creationId xmlns:a16="http://schemas.microsoft.com/office/drawing/2014/main" id="{5E3E259A-8B18-3F4A-0B1E-9856F1AFBE4B}"/>
+                <a16:creationId xmlns:a16="http://schemas.microsoft.com/office/drawing/2014/main" id="{C7A3E97E-6FF0-EC5F-D39E-B5E2D8F15E98}"/>
               </a:ext>
             </a:extLst>
           </p:cNvPr>
@@ -2902,7 +2902,7 @@
             </a:lvl1pPr>
           </a:lstStyle>
           <a:p>
-            <a:fld id="{CB55536C-2F78-4EDA-B2DC-0D71D0800C64}" type="datetimeFigureOut">
+            <a:fld id="{FA1D1E28-A008-4C8E-84D3-32BA113F65B4}" type="datetimeFigureOut">
               <a:rPr lang="zh-CN" altLang="en-US" smtClean="0"/>
               <a:t>2024/3/10</a:t>
             </a:fld>
@@ -2915,7 +2915,7 @@
           <p:cNvPr id="5" name="页脚占位符 4">
             <a:extLst>
               <a:ext uri="{FF2B5EF4-FFF2-40B4-BE49-F238E27FC236}">
-                <a16:creationId xmlns:a16="http://schemas.microsoft.com/office/drawing/2014/main" id="{F1FC954A-0F4F-49BD-F13F-7DBA71184325}"/>
+                <a16:creationId xmlns:a16="http://schemas.microsoft.com/office/drawing/2014/main" id="{1B970EFF-F644-D284-1D53-493AF6C6B190}"/>
               </a:ext>
             </a:extLst>
           </p:cNvPr>
@@ -2958,7 +2958,7 @@
           <p:cNvPr id="6" name="灯片编号占位符 5">
             <a:extLst>
               <a:ext uri="{FF2B5EF4-FFF2-40B4-BE49-F238E27FC236}">
-                <a16:creationId xmlns:a16="http://schemas.microsoft.com/office/drawing/2014/main" id="{5083BF30-DC7E-3B59-E262-75FFE8F03260}"/>
+                <a16:creationId xmlns:a16="http://schemas.microsoft.com/office/drawing/2014/main" id="{CF34476A-82A6-071A-5E3B-A24731DDDF54}"/>
               </a:ext>
             </a:extLst>
           </p:cNvPr>
@@ -2992,7 +2992,7 @@
             </a:lvl1pPr>
           </a:lstStyle>
           <a:p>
-            <a:fld id="{3E830C39-F631-4369-8491-12C08EE9986F}" type="slidenum">
+            <a:fld id="{53E5C624-E60A-4146-A34B-A13EF17209E9}" type="slidenum">
               <a:rPr lang="zh-CN" altLang="en-US" smtClean="0"/>
               <a:t>‹#›</a:t>
             </a:fld>
@@ -3003,7 +3003,7 @@
     </p:spTree>
     <p:extLst>
       <p:ext uri="{BB962C8B-B14F-4D97-AF65-F5344CB8AC3E}">
-        <p14:creationId xmlns:p14="http://schemas.microsoft.com/office/powerpoint/2010/main" val="1877303190"/>
+        <p14:creationId xmlns:p14="http://schemas.microsoft.com/office/powerpoint/2010/main" val="4103382117"/>
       </p:ext>
     </p:extLst>
   </p:cSld>
@@ -3323,7 +3323,7 @@
       </p:grpSpPr>
       <p:pic>
         <p:nvPicPr>
-          <p:cNvPr id="305154" name="Picture 2" descr="297"/>
+          <p:cNvPr id="306178" name="Picture 2" descr="298"/>
           <p:cNvPicPr>
             <a:picLocks noChangeAspect="1" noChangeArrowheads="1"/>
           </p:cNvPicPr>
@@ -3345,7 +3345,7 @@
         <p:spPr bwMode="auto">
           <a:xfrm>
             <a:off x="1524000" y="0"/>
-            <a:ext cx="9144000" cy="6237288"/>
+            <a:ext cx="9144000" cy="6858000"/>
           </a:xfrm>
           <a:prstGeom prst="rect">
             <a:avLst/>
@@ -3375,11 +3375,158 @@
           </a:extLst>
         </p:spPr>
       </p:pic>
+      <p:pic>
+        <p:nvPicPr>
+          <p:cNvPr id="307203" name="Picture 3" descr="298-2"/>
+          <p:cNvPicPr>
+            <a:picLocks noChangeAspect="1" noChangeArrowheads="1"/>
+          </p:cNvPicPr>
+          <p:nvPr/>
+        </p:nvPicPr>
+        <p:blipFill>
+          <a:blip r:embed="rId3">
+            <a:extLst>
+              <a:ext uri="{28A0092B-C50C-407E-A947-70E740481C1C}">
+                <a14:useLocalDpi xmlns:a14="http://schemas.microsoft.com/office/drawing/2010/main" val="0"/>
+              </a:ext>
+            </a:extLst>
+          </a:blip>
+          <a:srcRect/>
+          <a:stretch>
+            <a:fillRect/>
+          </a:stretch>
+        </p:blipFill>
+        <p:spPr bwMode="auto">
+          <a:xfrm>
+            <a:off x="1524000" y="0"/>
+            <a:ext cx="9144000" cy="6858000"/>
+          </a:xfrm>
+          <a:prstGeom prst="rect">
+            <a:avLst/>
+          </a:prstGeom>
+          <a:noFill/>
+          <a:ln>
+            <a:noFill/>
+          </a:ln>
+          <a:effectLst/>
+          <a:extLst>
+            <a:ext uri="{909E8E84-426E-40DD-AFC4-6F175D3DCCD1}">
+              <a14:hiddenFill xmlns:a14="http://schemas.microsoft.com/office/drawing/2010/main">
+                <a:solidFill>
+                  <a:srgbClr val="FFFFFF"/>
+                </a:solidFill>
+              </a14:hiddenFill>
+            </a:ext>
+            <a:ext uri="{91240B29-F687-4F45-9708-019B960494DF}">
+              <a14:hiddenLine xmlns:a14="http://schemas.microsoft.com/office/drawing/2010/main" w="9525">
+                <a:solidFill>
+                  <a:srgbClr val="000000"/>
+                </a:solidFill>
+                <a:miter lim="800000"/>
+                <a:headEnd/>
+                <a:tailEnd/>
+              </a14:hiddenLine>
+            </a:ext>
+            <a:ext uri="{AF507438-7753-43E0-B8FC-AC1667EBCBE1}">
+              <a14:hiddenEffects xmlns:a14="http://schemas.microsoft.com/office/drawing/2010/main">
+                <a:effectLst>
+                  <a:outerShdw dist="35921" dir="2700000" algn="ctr" rotWithShape="0">
+                    <a:srgbClr val="808080"/>
+                  </a:outerShdw>
+                </a:effectLst>
+              </a14:hiddenEffects>
+            </a:ext>
+          </a:extLst>
+        </p:spPr>
+      </p:pic>
     </p:spTree>
   </p:cSld>
   <p:clrMapOvr>
     <a:masterClrMapping/>
   </p:clrMapOvr>
+  <p:timing>
+    <p:tnLst>
+      <p:par>
+        <p:cTn id="1" dur="indefinite" restart="never" nodeType="tmRoot">
+          <p:childTnLst>
+            <p:seq concurrent="1" nextAc="seek">
+              <p:cTn id="2" dur="indefinite" nodeType="mainSeq">
+                <p:childTnLst>
+                  <p:par>
+                    <p:cTn id="3" fill="hold" nodeType="clickPar">
+                      <p:stCondLst>
+                        <p:cond delay="indefinite"/>
+                      </p:stCondLst>
+                      <p:childTnLst>
+                        <p:par>
+                          <p:cTn id="4" fill="hold" nodeType="withGroup">
+                            <p:stCondLst>
+                              <p:cond delay="0"/>
+                            </p:stCondLst>
+                            <p:childTnLst>
+                              <p:par>
+                                <p:cTn id="5" presetID="10" presetClass="entr" presetSubtype="0" fill="hold" nodeType="clickEffect">
+                                  <p:stCondLst>
+                                    <p:cond delay="0"/>
+                                  </p:stCondLst>
+                                  <p:childTnLst>
+                                    <p:set>
+                                      <p:cBhvr>
+                                        <p:cTn id="6" dur="1" fill="hold">
+                                          <p:stCondLst>
+                                            <p:cond delay="0"/>
+                                          </p:stCondLst>
+                                        </p:cTn>
+                                        <p:tgtEl>
+                                          <p:spTgt spid="307203"/>
+                                        </p:tgtEl>
+                                        <p:attrNameLst>
+                                          <p:attrName>style.visibility</p:attrName>
+                                        </p:attrNameLst>
+                                      </p:cBhvr>
+                                      <p:to>
+                                        <p:strVal val="visible"/>
+                                      </p:to>
+                                    </p:set>
+                                    <p:animEffect transition="in" filter="fade">
+                                      <p:cBhvr>
+                                        <p:cTn id="7" dur="500"/>
+                                        <p:tgtEl>
+                                          <p:spTgt spid="307203"/>
+                                        </p:tgtEl>
+                                      </p:cBhvr>
+                                    </p:animEffect>
+                                  </p:childTnLst>
+                                </p:cTn>
+                              </p:par>
+                            </p:childTnLst>
+                          </p:cTn>
+                        </p:par>
+                      </p:childTnLst>
+                    </p:cTn>
+                  </p:par>
+                </p:childTnLst>
+              </p:cTn>
+              <p:prevCondLst>
+                <p:cond evt="onPrev" delay="0">
+                  <p:tgtEl>
+                    <p:sldTgt/>
+                  </p:tgtEl>
+                </p:cond>
+              </p:prevCondLst>
+              <p:nextCondLst>
+                <p:cond evt="onNext" delay="0">
+                  <p:tgtEl>
+                    <p:sldTgt/>
+                  </p:tgtEl>
+                </p:cond>
+              </p:nextCondLst>
+            </p:seq>
+          </p:childTnLst>
+        </p:cTn>
+      </p:par>
+    </p:tnLst>
+  </p:timing>
 </p:sld>
 </file>
 
